--- a/Translated/章节6.pptx
+++ b/Translated/章节6.pptx
@@ -133,6 +133,11 @@
       </a:defRPr>
     </a:lvl9pPr>
   </p:defaultTextStyle>
+  <p:extLst>
+    <p:ext uri="{EFAFB233-063F-42B5-8137-9DF3F51BA10A}">
+      <p15:sldGuideLst xmlns:p15="http://schemas.microsoft.com/office/powerpoint/2012/main"/>
+    </p:ext>
+  </p:extLst>
 </p:presentation>
 </file>
 
@@ -218,7 +223,7 @@
           <a:p>
             <a:fld id="{E31DAC4E-A3F3-4CAB-AA1E-A15C2A44BD4B}" type="datetimeFigureOut">
               <a:rPr lang="zh-CN" altLang="en-US" smtClean="0"/>
-              <a:t>2019/8/4</a:t>
+              <a:t>2019/9/15</a:t>
             </a:fld>
             <a:endParaRPr lang="zh-CN" altLang="en-US"/>
           </a:p>
@@ -1034,8 +1039,8 @@
         </p:nvSpPr>
         <p:spPr>
           <a:xfrm>
-            <a:off x="1108075" y="812800"/>
-            <a:ext cx="5343525" cy="4008438"/>
+            <a:off x="217488" y="812800"/>
+            <a:ext cx="7124700" cy="4008438"/>
           </a:xfrm>
         </p:spPr>
       </p:sp>
@@ -1246,7 +1251,7 @@
           <a:p>
             <a:fld id="{AF3518BB-6CCF-4ABE-B91F-DF2B3F39573C}" type="datetimeFigureOut">
               <a:rPr lang="zh-CN" altLang="en-US" smtClean="0"/>
-              <a:t>2019/8/4</a:t>
+              <a:t>2019/9/15</a:t>
             </a:fld>
             <a:endParaRPr lang="zh-CN" altLang="en-US"/>
           </a:p>
@@ -1444,7 +1449,7 @@
           <a:p>
             <a:fld id="{AF3518BB-6CCF-4ABE-B91F-DF2B3F39573C}" type="datetimeFigureOut">
               <a:rPr lang="zh-CN" altLang="en-US" smtClean="0"/>
-              <a:t>2019/8/4</a:t>
+              <a:t>2019/9/15</a:t>
             </a:fld>
             <a:endParaRPr lang="zh-CN" altLang="en-US"/>
           </a:p>
@@ -1652,7 +1657,7 @@
           <a:p>
             <a:fld id="{AF3518BB-6CCF-4ABE-B91F-DF2B3F39573C}" type="datetimeFigureOut">
               <a:rPr lang="zh-CN" altLang="en-US" smtClean="0"/>
-              <a:t>2019/8/4</a:t>
+              <a:t>2019/9/15</a:t>
             </a:fld>
             <a:endParaRPr lang="zh-CN" altLang="en-US"/>
           </a:p>
@@ -1972,7 +1977,7 @@
           <a:p>
             <a:fld id="{AF3518BB-6CCF-4ABE-B91F-DF2B3F39573C}" type="datetimeFigureOut">
               <a:rPr lang="zh-CN" altLang="en-US" smtClean="0"/>
-              <a:t>2019/8/4</a:t>
+              <a:t>2019/9/15</a:t>
             </a:fld>
             <a:endParaRPr lang="zh-CN" altLang="en-US"/>
           </a:p>
@@ -2247,7 +2252,7 @@
           <a:p>
             <a:fld id="{AF3518BB-6CCF-4ABE-B91F-DF2B3F39573C}" type="datetimeFigureOut">
               <a:rPr lang="zh-CN" altLang="en-US" smtClean="0"/>
-              <a:t>2019/8/4</a:t>
+              <a:t>2019/9/15</a:t>
             </a:fld>
             <a:endParaRPr lang="zh-CN" altLang="en-US"/>
           </a:p>
@@ -2512,7 +2517,7 @@
           <a:p>
             <a:fld id="{AF3518BB-6CCF-4ABE-B91F-DF2B3F39573C}" type="datetimeFigureOut">
               <a:rPr lang="zh-CN" altLang="en-US" smtClean="0"/>
-              <a:t>2019/8/4</a:t>
+              <a:t>2019/9/15</a:t>
             </a:fld>
             <a:endParaRPr lang="zh-CN" altLang="en-US"/>
           </a:p>
@@ -2924,7 +2929,7 @@
           <a:p>
             <a:fld id="{AF3518BB-6CCF-4ABE-B91F-DF2B3F39573C}" type="datetimeFigureOut">
               <a:rPr lang="zh-CN" altLang="en-US" smtClean="0"/>
-              <a:t>2019/8/4</a:t>
+              <a:t>2019/9/15</a:t>
             </a:fld>
             <a:endParaRPr lang="zh-CN" altLang="en-US"/>
           </a:p>
@@ -3065,7 +3070,7 @@
           <a:p>
             <a:fld id="{AF3518BB-6CCF-4ABE-B91F-DF2B3F39573C}" type="datetimeFigureOut">
               <a:rPr lang="zh-CN" altLang="en-US" smtClean="0"/>
-              <a:t>2019/8/4</a:t>
+              <a:t>2019/9/15</a:t>
             </a:fld>
             <a:endParaRPr lang="zh-CN" altLang="en-US"/>
           </a:p>
@@ -3178,7 +3183,7 @@
           <a:p>
             <a:fld id="{AF3518BB-6CCF-4ABE-B91F-DF2B3F39573C}" type="datetimeFigureOut">
               <a:rPr lang="zh-CN" altLang="en-US" smtClean="0"/>
-              <a:t>2019/8/4</a:t>
+              <a:t>2019/9/15</a:t>
             </a:fld>
             <a:endParaRPr lang="zh-CN" altLang="en-US"/>
           </a:p>
@@ -3489,7 +3494,7 @@
           <a:p>
             <a:fld id="{AF3518BB-6CCF-4ABE-B91F-DF2B3F39573C}" type="datetimeFigureOut">
               <a:rPr lang="zh-CN" altLang="en-US" smtClean="0"/>
-              <a:t>2019/8/4</a:t>
+              <a:t>2019/9/15</a:t>
             </a:fld>
             <a:endParaRPr lang="zh-CN" altLang="en-US"/>
           </a:p>
@@ -3777,7 +3782,7 @@
           <a:p>
             <a:fld id="{AF3518BB-6CCF-4ABE-B91F-DF2B3F39573C}" type="datetimeFigureOut">
               <a:rPr lang="zh-CN" altLang="en-US" smtClean="0"/>
-              <a:t>2019/8/4</a:t>
+              <a:t>2019/9/15</a:t>
             </a:fld>
             <a:endParaRPr lang="zh-CN" altLang="en-US"/>
           </a:p>
@@ -4018,7 +4023,7 @@
           <a:p>
             <a:fld id="{AF3518BB-6CCF-4ABE-B91F-DF2B3F39573C}" type="datetimeFigureOut">
               <a:rPr lang="zh-CN" altLang="en-US" smtClean="0"/>
-              <a:t>2019/8/4</a:t>
+              <a:t>2019/9/15</a:t>
             </a:fld>
             <a:endParaRPr lang="zh-CN" altLang="en-US"/>
           </a:p>
@@ -10425,7 +10430,7 @@
                 <a:latin typeface="Courier New Bold"/>
                 <a:ea typeface="DejaVu Sans"/>
               </a:rPr>
-              <a:t> OpenCL Device ”</a:t>
+              <a:t> OpenCL Device“</a:t>
             </a:r>
             <a:endParaRPr lang="en-US" sz="1100" spc="-1" dirty="0">
               <a:latin typeface="Arial"/>
@@ -21505,16 +21510,56 @@
               </a:lnSpc>
             </a:pPr>
             <a:r>
-              <a:rPr lang="en-US" sz="1100" b="1" spc="-1">
+              <a:rPr lang="en-US" sz="1100" b="1" spc="-1" dirty="0">
                 <a:solidFill>
                   <a:srgbClr val="000000"/>
                 </a:solidFill>
                 <a:latin typeface="Courier New Bold"/>
                 <a:ea typeface="DejaVu Sans"/>
               </a:rPr>
-              <a:t>int main(int argc, char *argv[])</a:t>
-            </a:r>
-            <a:endParaRPr lang="en-US" sz="1100" spc="-1">
+              <a:t>int main(int </a:t>
+            </a:r>
+            <a:r>
+              <a:rPr lang="en-US" sz="1100" b="1" spc="-1" dirty="0" err="1">
+                <a:solidFill>
+                  <a:srgbClr val="000000"/>
+                </a:solidFill>
+                <a:latin typeface="Courier New Bold"/>
+                <a:ea typeface="DejaVu Sans"/>
+              </a:rPr>
+              <a:t>argc</a:t>
+            </a:r>
+            <a:r>
+              <a:rPr lang="en-US" sz="1100" b="1" spc="-1" dirty="0">
+                <a:solidFill>
+                  <a:srgbClr val="000000"/>
+                </a:solidFill>
+                <a:latin typeface="Courier New Bold"/>
+                <a:ea typeface="DejaVu Sans"/>
+              </a:rPr>
+              <a:t>, char *</a:t>
+            </a:r>
+            <a:r>
+              <a:rPr lang="en-US" sz="1100" b="1" spc="-1" dirty="0" err="1">
+                <a:solidFill>
+                  <a:srgbClr val="000000"/>
+                </a:solidFill>
+                <a:latin typeface="Courier New Bold"/>
+                <a:ea typeface="DejaVu Sans"/>
+              </a:rPr>
+              <a:t>argv</a:t>
+            </a:r>
+            <a:r>
+              <a:rPr lang="en-US" sz="1100" b="1" spc="-1" dirty="0">
+                <a:solidFill>
+                  <a:srgbClr val="000000"/>
+                </a:solidFill>
+                <a:latin typeface="Courier New Bold"/>
+                <a:ea typeface="DejaVu Sans"/>
+              </a:rPr>
+              <a:t>[])</a:t>
+            </a:r>
+            <a:endParaRPr lang="en-US" sz="1100" spc="-1" dirty="0">
               <a:latin typeface="Arial"/>
             </a:endParaRPr>
           </a:p>
@@ -21525,7 +21570,7 @@
               </a:lnSpc>
             </a:pPr>
             <a:r>
-              <a:rPr lang="en-US" sz="1100" b="1" spc="-1">
+              <a:rPr lang="en-US" sz="1100" b="1" spc="-1" dirty="0">
                 <a:solidFill>
                   <a:srgbClr val="000000"/>
                 </a:solidFill>
@@ -21534,7 +21579,7 @@
               </a:rPr>
               <a:t>{</a:t>
             </a:r>
-            <a:endParaRPr lang="en-US" sz="1100" spc="-1">
+            <a:endParaRPr lang="en-US" sz="1100" spc="-1" dirty="0">
               <a:latin typeface="Arial"/>
             </a:endParaRPr>
           </a:p>
@@ -21545,16 +21590,76 @@
               </a:lnSpc>
             </a:pPr>
             <a:r>
-              <a:rPr lang="en-US" sz="1100" b="1" spc="-1">
+              <a:rPr lang="en-US" sz="1100" b="1" spc="-1" dirty="0">
                 <a:solidFill>
                   <a:srgbClr val="000000"/>
                 </a:solidFill>
                 <a:latin typeface="Courier New Bold"/>
                 <a:ea typeface="DejaVu Sans"/>
               </a:rPr>
-              <a:t>  std::vector&lt;float&gt; h_A, h_B, h_C; // matrices</a:t>
-            </a:r>
-            <a:endParaRPr lang="en-US" sz="1100" spc="-1">
+              <a:t>  std::vector&lt;float&gt; </a:t>
+            </a:r>
+            <a:r>
+              <a:rPr lang="en-US" sz="1100" b="1" spc="-1" dirty="0" err="1">
+                <a:solidFill>
+                  <a:srgbClr val="000000"/>
+                </a:solidFill>
+                <a:latin typeface="Courier New Bold"/>
+                <a:ea typeface="DejaVu Sans"/>
+              </a:rPr>
+              <a:t>h_A</a:t>
+            </a:r>
+            <a:r>
+              <a:rPr lang="en-US" sz="1100" b="1" spc="-1" dirty="0">
+                <a:solidFill>
+                  <a:srgbClr val="000000"/>
+                </a:solidFill>
+                <a:latin typeface="Courier New Bold"/>
+                <a:ea typeface="DejaVu Sans"/>
+              </a:rPr>
+              <a:t>, </a:t>
+            </a:r>
+            <a:r>
+              <a:rPr lang="en-US" sz="1100" b="1" spc="-1" dirty="0" err="1">
+                <a:solidFill>
+                  <a:srgbClr val="000000"/>
+                </a:solidFill>
+                <a:latin typeface="Courier New Bold"/>
+                <a:ea typeface="DejaVu Sans"/>
+              </a:rPr>
+              <a:t>h_B</a:t>
+            </a:r>
+            <a:r>
+              <a:rPr lang="en-US" sz="1100" b="1" spc="-1" dirty="0">
+                <a:solidFill>
+                  <a:srgbClr val="000000"/>
+                </a:solidFill>
+                <a:latin typeface="Courier New Bold"/>
+                <a:ea typeface="DejaVu Sans"/>
+              </a:rPr>
+              <a:t>, </a:t>
+            </a:r>
+            <a:r>
+              <a:rPr lang="en-US" sz="1100" b="1" spc="-1" dirty="0" err="1">
+                <a:solidFill>
+                  <a:srgbClr val="000000"/>
+                </a:solidFill>
+                <a:latin typeface="Courier New Bold"/>
+                <a:ea typeface="DejaVu Sans"/>
+              </a:rPr>
+              <a:t>h_C</a:t>
+            </a:r>
+            <a:r>
+              <a:rPr lang="en-US" sz="1100" b="1" spc="-1" dirty="0">
+                <a:solidFill>
+                  <a:srgbClr val="000000"/>
+                </a:solidFill>
+                <a:latin typeface="Courier New Bold"/>
+                <a:ea typeface="DejaVu Sans"/>
+              </a:rPr>
+              <a:t>; // matrices</a:t>
+            </a:r>
+            <a:endParaRPr lang="en-US" sz="1100" spc="-1" dirty="0">
               <a:latin typeface="Arial"/>
             </a:endParaRPr>
           </a:p>
@@ -21565,16 +21670,76 @@
               </a:lnSpc>
             </a:pPr>
             <a:r>
-              <a:rPr lang="en-US" sz="1100" b="1" spc="-1">
+              <a:rPr lang="en-US" sz="1100" b="1" spc="-1" dirty="0">
                 <a:solidFill>
                   <a:srgbClr val="000000"/>
                 </a:solidFill>
                 <a:latin typeface="Courier New Bold"/>
                 <a:ea typeface="DejaVu Sans"/>
               </a:rPr>
-              <a:t>  int Mdim, Ndim, Pdim; // A[N][P],B[P][M],C[N][M]</a:t>
-            </a:r>
-            <a:endParaRPr lang="en-US" sz="1100" spc="-1">
+              <a:t>  int </a:t>
+            </a:r>
+            <a:r>
+              <a:rPr lang="en-US" sz="1100" b="1" spc="-1" dirty="0" err="1">
+                <a:solidFill>
+                  <a:srgbClr val="000000"/>
+                </a:solidFill>
+                <a:latin typeface="Courier New Bold"/>
+                <a:ea typeface="DejaVu Sans"/>
+              </a:rPr>
+              <a:t>Mdim</a:t>
+            </a:r>
+            <a:r>
+              <a:rPr lang="en-US" sz="1100" b="1" spc="-1" dirty="0">
+                <a:solidFill>
+                  <a:srgbClr val="000000"/>
+                </a:solidFill>
+                <a:latin typeface="Courier New Bold"/>
+                <a:ea typeface="DejaVu Sans"/>
+              </a:rPr>
+              <a:t>, </a:t>
+            </a:r>
+            <a:r>
+              <a:rPr lang="en-US" sz="1100" b="1" spc="-1" dirty="0" err="1">
+                <a:solidFill>
+                  <a:srgbClr val="000000"/>
+                </a:solidFill>
+                <a:latin typeface="Courier New Bold"/>
+                <a:ea typeface="DejaVu Sans"/>
+              </a:rPr>
+              <a:t>Ndim</a:t>
+            </a:r>
+            <a:r>
+              <a:rPr lang="en-US" sz="1100" b="1" spc="-1" dirty="0">
+                <a:solidFill>
+                  <a:srgbClr val="000000"/>
+                </a:solidFill>
+                <a:latin typeface="Courier New Bold"/>
+                <a:ea typeface="DejaVu Sans"/>
+              </a:rPr>
+              <a:t>, </a:t>
+            </a:r>
+            <a:r>
+              <a:rPr lang="en-US" sz="1100" b="1" spc="-1" dirty="0" err="1">
+                <a:solidFill>
+                  <a:srgbClr val="000000"/>
+                </a:solidFill>
+                <a:latin typeface="Courier New Bold"/>
+                <a:ea typeface="DejaVu Sans"/>
+              </a:rPr>
+              <a:t>Pdim</a:t>
+            </a:r>
+            <a:r>
+              <a:rPr lang="en-US" sz="1100" b="1" spc="-1" dirty="0">
+                <a:solidFill>
+                  <a:srgbClr val="000000"/>
+                </a:solidFill>
+                <a:latin typeface="Courier New Bold"/>
+                <a:ea typeface="DejaVu Sans"/>
+              </a:rPr>
+              <a:t>; // A[N][P],B[P][M],C[N][M]</a:t>
+            </a:r>
+            <a:endParaRPr lang="en-US" sz="1100" spc="-1" dirty="0">
               <a:latin typeface="Arial"/>
             </a:endParaRPr>
           </a:p>
@@ -21585,16 +21750,36 @@
               </a:lnSpc>
             </a:pPr>
             <a:r>
-              <a:rPr lang="en-US" sz="1100" b="1" spc="-1">
+              <a:rPr lang="en-US" sz="1100" b="1" spc="-1" dirty="0">
                 <a:solidFill>
                   <a:srgbClr val="000000"/>
                 </a:solidFill>
                 <a:latin typeface="Courier New Bold"/>
                 <a:ea typeface="DejaVu Sans"/>
               </a:rPr>
-              <a:t>  int i, err; </a:t>
-            </a:r>
-            <a:endParaRPr lang="en-US" sz="1100" spc="-1">
+              <a:t>  int </a:t>
+            </a:r>
+            <a:r>
+              <a:rPr lang="en-US" sz="1100" b="1" spc="-1" dirty="0" err="1">
+                <a:solidFill>
+                  <a:srgbClr val="000000"/>
+                </a:solidFill>
+                <a:latin typeface="Courier New Bold"/>
+                <a:ea typeface="DejaVu Sans"/>
+              </a:rPr>
+              <a:t>i</a:t>
+            </a:r>
+            <a:r>
+              <a:rPr lang="en-US" sz="1100" b="1" spc="-1" dirty="0">
+                <a:solidFill>
+                  <a:srgbClr val="000000"/>
+                </a:solidFill>
+                <a:latin typeface="Courier New Bold"/>
+                <a:ea typeface="DejaVu Sans"/>
+              </a:rPr>
+              <a:t>, err; </a:t>
+            </a:r>
+            <a:endParaRPr lang="en-US" sz="1100" spc="-1" dirty="0">
               <a:latin typeface="Arial"/>
             </a:endParaRPr>
           </a:p>
@@ -21605,16 +21790,76 @@
               </a:lnSpc>
             </a:pPr>
             <a:r>
-              <a:rPr lang="en-US" sz="1100" b="1" spc="-1">
+              <a:rPr lang="en-US" sz="1100" b="1" spc="-1" dirty="0">
                 <a:solidFill>
                   <a:srgbClr val="000000"/>
                 </a:solidFill>
                 <a:latin typeface="Courier New Bold"/>
                 <a:ea typeface="DejaVu Sans"/>
               </a:rPr>
-              <a:t>  int szA, szB, szC; // num elements in each matrix</a:t>
-            </a:r>
-            <a:endParaRPr lang="en-US" sz="1100" spc="-1">
+              <a:t>  int </a:t>
+            </a:r>
+            <a:r>
+              <a:rPr lang="en-US" sz="1100" b="1" spc="-1" dirty="0" err="1">
+                <a:solidFill>
+                  <a:srgbClr val="000000"/>
+                </a:solidFill>
+                <a:latin typeface="Courier New Bold"/>
+                <a:ea typeface="DejaVu Sans"/>
+              </a:rPr>
+              <a:t>szA</a:t>
+            </a:r>
+            <a:r>
+              <a:rPr lang="en-US" sz="1100" b="1" spc="-1" dirty="0">
+                <a:solidFill>
+                  <a:srgbClr val="000000"/>
+                </a:solidFill>
+                <a:latin typeface="Courier New Bold"/>
+                <a:ea typeface="DejaVu Sans"/>
+              </a:rPr>
+              <a:t>, </a:t>
+            </a:r>
+            <a:r>
+              <a:rPr lang="en-US" sz="1100" b="1" spc="-1" dirty="0" err="1">
+                <a:solidFill>
+                  <a:srgbClr val="000000"/>
+                </a:solidFill>
+                <a:latin typeface="Courier New Bold"/>
+                <a:ea typeface="DejaVu Sans"/>
+              </a:rPr>
+              <a:t>szB</a:t>
+            </a:r>
+            <a:r>
+              <a:rPr lang="en-US" sz="1100" b="1" spc="-1" dirty="0">
+                <a:solidFill>
+                  <a:srgbClr val="000000"/>
+                </a:solidFill>
+                <a:latin typeface="Courier New Bold"/>
+                <a:ea typeface="DejaVu Sans"/>
+              </a:rPr>
+              <a:t>, </a:t>
+            </a:r>
+            <a:r>
+              <a:rPr lang="en-US" sz="1100" b="1" spc="-1" dirty="0" err="1">
+                <a:solidFill>
+                  <a:srgbClr val="000000"/>
+                </a:solidFill>
+                <a:latin typeface="Courier New Bold"/>
+                <a:ea typeface="DejaVu Sans"/>
+              </a:rPr>
+              <a:t>szC</a:t>
+            </a:r>
+            <a:r>
+              <a:rPr lang="en-US" sz="1100" b="1" spc="-1" dirty="0">
+                <a:solidFill>
+                  <a:srgbClr val="000000"/>
+                </a:solidFill>
+                <a:latin typeface="Courier New Bold"/>
+                <a:ea typeface="DejaVu Sans"/>
+              </a:rPr>
+              <a:t>; // num elements in each matrix</a:t>
+            </a:r>
+            <a:endParaRPr lang="en-US" sz="1100" spc="-1" dirty="0">
               <a:latin typeface="Arial"/>
             </a:endParaRPr>
           </a:p>
@@ -21625,16 +21870,56 @@
               </a:lnSpc>
             </a:pPr>
             <a:r>
-              <a:rPr lang="en-US" sz="1100" b="1" spc="-1">
+              <a:rPr lang="en-US" sz="1100" b="1" spc="-1" dirty="0">
                 <a:solidFill>
                   <a:srgbClr val="000000"/>
                 </a:solidFill>
                 <a:latin typeface="Courier New Bold"/>
                 <a:ea typeface="DejaVu Sans"/>
               </a:rPr>
-              <a:t>  double start_time, run_time; // timing data</a:t>
-            </a:r>
-            <a:endParaRPr lang="en-US" sz="1100" spc="-1">
+              <a:t>  double </a:t>
+            </a:r>
+            <a:r>
+              <a:rPr lang="en-US" sz="1100" b="1" spc="-1" dirty="0" err="1">
+                <a:solidFill>
+                  <a:srgbClr val="000000"/>
+                </a:solidFill>
+                <a:latin typeface="Courier New Bold"/>
+                <a:ea typeface="DejaVu Sans"/>
+              </a:rPr>
+              <a:t>start_time</a:t>
+            </a:r>
+            <a:r>
+              <a:rPr lang="en-US" sz="1100" b="1" spc="-1" dirty="0">
+                <a:solidFill>
+                  <a:srgbClr val="000000"/>
+                </a:solidFill>
+                <a:latin typeface="Courier New Bold"/>
+                <a:ea typeface="DejaVu Sans"/>
+              </a:rPr>
+              <a:t>, </a:t>
+            </a:r>
+            <a:r>
+              <a:rPr lang="en-US" sz="1100" b="1" spc="-1" dirty="0" err="1">
+                <a:solidFill>
+                  <a:srgbClr val="000000"/>
+                </a:solidFill>
+                <a:latin typeface="Courier New Bold"/>
+                <a:ea typeface="DejaVu Sans"/>
+              </a:rPr>
+              <a:t>run_time</a:t>
+            </a:r>
+            <a:r>
+              <a:rPr lang="en-US" sz="1100" b="1" spc="-1" dirty="0">
+                <a:solidFill>
+                  <a:srgbClr val="000000"/>
+                </a:solidFill>
+                <a:latin typeface="Courier New Bold"/>
+                <a:ea typeface="DejaVu Sans"/>
+              </a:rPr>
+              <a:t>; // timing data</a:t>
+            </a:r>
+            <a:endParaRPr lang="en-US" sz="1100" spc="-1" dirty="0">
               <a:latin typeface="Arial"/>
             </a:endParaRPr>
           </a:p>
@@ -21645,16 +21930,36 @@
               </a:lnSpc>
             </a:pPr>
             <a:r>
-              <a:rPr lang="en-US" sz="1100" b="1" spc="-1">
+              <a:rPr lang="en-US" sz="1100" b="1" spc="-1" dirty="0">
                 <a:solidFill>
                   <a:srgbClr val="000000"/>
                 </a:solidFill>
                 <a:latin typeface="Courier New Bold"/>
                 <a:ea typeface="DejaVu Sans"/>
               </a:rPr>
-              <a:t>  cl::Program program;</a:t>
-            </a:r>
-            <a:endParaRPr lang="en-US" sz="1100" spc="-1">
+              <a:t>  cl::Program </a:t>
+            </a:r>
+            <a:r>
+              <a:rPr lang="en-US" sz="1100" b="1" spc="-1" dirty="0" err="1">
+                <a:solidFill>
+                  <a:srgbClr val="000000"/>
+                </a:solidFill>
+                <a:latin typeface="Courier New Bold"/>
+                <a:ea typeface="DejaVu Sans"/>
+              </a:rPr>
+              <a:t>program</a:t>
+            </a:r>
+            <a:r>
+              <a:rPr lang="en-US" sz="1100" b="1" spc="-1" dirty="0">
+                <a:solidFill>
+                  <a:srgbClr val="000000"/>
+                </a:solidFill>
+                <a:latin typeface="Courier New Bold"/>
+                <a:ea typeface="DejaVu Sans"/>
+              </a:rPr>
+              <a:t>;</a:t>
+            </a:r>
+            <a:endParaRPr lang="en-US" sz="1100" spc="-1" dirty="0">
               <a:latin typeface="Arial"/>
             </a:endParaRPr>
           </a:p>
@@ -21664,7 +21969,7 @@
                 <a:spcPct val="100000"/>
               </a:lnSpc>
             </a:pPr>
-            <a:endParaRPr lang="en-US" sz="1100" spc="-1">
+            <a:endParaRPr lang="en-US" sz="1100" spc="-1" dirty="0">
               <a:latin typeface="Arial"/>
             </a:endParaRPr>
           </a:p>
@@ -21675,16 +21980,76 @@
               </a:lnSpc>
             </a:pPr>
             <a:r>
-              <a:rPr lang="en-US" sz="1100" b="1" spc="-1">
+              <a:rPr lang="en-US" sz="1100" b="1" spc="-1" dirty="0">
                 <a:solidFill>
                   <a:srgbClr val="000000"/>
                 </a:solidFill>
                 <a:latin typeface="Courier New Bold"/>
                 <a:ea typeface="DejaVu Sans"/>
               </a:rPr>
-              <a:t>  Ndim = Pdim = Mdim = ORDER;</a:t>
-            </a:r>
-            <a:endParaRPr lang="en-US" sz="1100" spc="-1">
+              <a:t>  </a:t>
+            </a:r>
+            <a:r>
+              <a:rPr lang="en-US" sz="1100" b="1" spc="-1" dirty="0" err="1">
+                <a:solidFill>
+                  <a:srgbClr val="000000"/>
+                </a:solidFill>
+                <a:latin typeface="Courier New Bold"/>
+                <a:ea typeface="DejaVu Sans"/>
+              </a:rPr>
+              <a:t>Ndim</a:t>
+            </a:r>
+            <a:r>
+              <a:rPr lang="en-US" sz="1100" b="1" spc="-1" dirty="0">
+                <a:solidFill>
+                  <a:srgbClr val="000000"/>
+                </a:solidFill>
+                <a:latin typeface="Courier New Bold"/>
+                <a:ea typeface="DejaVu Sans"/>
+              </a:rPr>
+              <a:t> = </a:t>
+            </a:r>
+            <a:r>
+              <a:rPr lang="en-US" sz="1100" b="1" spc="-1" dirty="0" err="1">
+                <a:solidFill>
+                  <a:srgbClr val="000000"/>
+                </a:solidFill>
+                <a:latin typeface="Courier New Bold"/>
+                <a:ea typeface="DejaVu Sans"/>
+              </a:rPr>
+              <a:t>Pdim</a:t>
+            </a:r>
+            <a:r>
+              <a:rPr lang="en-US" sz="1100" b="1" spc="-1" dirty="0">
+                <a:solidFill>
+                  <a:srgbClr val="000000"/>
+                </a:solidFill>
+                <a:latin typeface="Courier New Bold"/>
+                <a:ea typeface="DejaVu Sans"/>
+              </a:rPr>
+              <a:t> = </a:t>
+            </a:r>
+            <a:r>
+              <a:rPr lang="en-US" sz="1100" b="1" spc="-1" dirty="0" err="1">
+                <a:solidFill>
+                  <a:srgbClr val="000000"/>
+                </a:solidFill>
+                <a:latin typeface="Courier New Bold"/>
+                <a:ea typeface="DejaVu Sans"/>
+              </a:rPr>
+              <a:t>Mdim</a:t>
+            </a:r>
+            <a:r>
+              <a:rPr lang="en-US" sz="1100" b="1" spc="-1" dirty="0">
+                <a:solidFill>
+                  <a:srgbClr val="000000"/>
+                </a:solidFill>
+                <a:latin typeface="Courier New Bold"/>
+                <a:ea typeface="DejaVu Sans"/>
+              </a:rPr>
+              <a:t> = ORDER;</a:t>
+            </a:r>
+            <a:endParaRPr lang="en-US" sz="1100" spc="-1" dirty="0">
               <a:latin typeface="Arial"/>
             </a:endParaRPr>
           </a:p>
@@ -21695,16 +22060,76 @@
               </a:lnSpc>
             </a:pPr>
             <a:r>
-              <a:rPr lang="en-US" sz="1100" b="1" spc="-1">
+              <a:rPr lang="en-US" sz="1100" b="1" spc="-1" dirty="0">
                 <a:solidFill>
                   <a:srgbClr val="000000"/>
                 </a:solidFill>
                 <a:latin typeface="Courier New Bold"/>
                 <a:ea typeface="DejaVu Sans"/>
               </a:rPr>
-              <a:t>  szA = Ndim*Pdim; </a:t>
-            </a:r>
-            <a:endParaRPr lang="en-US" sz="1100" spc="-1">
+              <a:t>  </a:t>
+            </a:r>
+            <a:r>
+              <a:rPr lang="en-US" sz="1100" b="1" spc="-1" dirty="0" err="1">
+                <a:solidFill>
+                  <a:srgbClr val="000000"/>
+                </a:solidFill>
+                <a:latin typeface="Courier New Bold"/>
+                <a:ea typeface="DejaVu Sans"/>
+              </a:rPr>
+              <a:t>szA</a:t>
+            </a:r>
+            <a:r>
+              <a:rPr lang="en-US" sz="1100" b="1" spc="-1" dirty="0">
+                <a:solidFill>
+                  <a:srgbClr val="000000"/>
+                </a:solidFill>
+                <a:latin typeface="Courier New Bold"/>
+                <a:ea typeface="DejaVu Sans"/>
+              </a:rPr>
+              <a:t> = </a:t>
+            </a:r>
+            <a:r>
+              <a:rPr lang="en-US" sz="1100" b="1" spc="-1" dirty="0" err="1">
+                <a:solidFill>
+                  <a:srgbClr val="000000"/>
+                </a:solidFill>
+                <a:latin typeface="Courier New Bold"/>
+                <a:ea typeface="DejaVu Sans"/>
+              </a:rPr>
+              <a:t>Ndim</a:t>
+            </a:r>
+            <a:r>
+              <a:rPr lang="en-US" sz="1100" b="1" spc="-1" dirty="0">
+                <a:solidFill>
+                  <a:srgbClr val="000000"/>
+                </a:solidFill>
+                <a:latin typeface="Courier New Bold"/>
+                <a:ea typeface="DejaVu Sans"/>
+              </a:rPr>
+              <a:t>*</a:t>
+            </a:r>
+            <a:r>
+              <a:rPr lang="en-US" sz="1100" b="1" spc="-1" dirty="0" err="1">
+                <a:solidFill>
+                  <a:srgbClr val="000000"/>
+                </a:solidFill>
+                <a:latin typeface="Courier New Bold"/>
+                <a:ea typeface="DejaVu Sans"/>
+              </a:rPr>
+              <a:t>Pdim</a:t>
+            </a:r>
+            <a:r>
+              <a:rPr lang="en-US" sz="1100" b="1" spc="-1" dirty="0">
+                <a:solidFill>
+                  <a:srgbClr val="000000"/>
+                </a:solidFill>
+                <a:latin typeface="Courier New Bold"/>
+                <a:ea typeface="DejaVu Sans"/>
+              </a:rPr>
+              <a:t>; </a:t>
+            </a:r>
+            <a:endParaRPr lang="en-US" sz="1100" spc="-1" dirty="0">
               <a:latin typeface="Arial"/>
             </a:endParaRPr>
           </a:p>
@@ -21715,16 +22140,76 @@
               </a:lnSpc>
             </a:pPr>
             <a:r>
-              <a:rPr lang="en-US" sz="1100" b="1" spc="-1">
+              <a:rPr lang="en-US" sz="1100" b="1" spc="-1" dirty="0">
                 <a:solidFill>
                   <a:srgbClr val="000000"/>
                 </a:solidFill>
                 <a:latin typeface="Courier New Bold"/>
                 <a:ea typeface="DejaVu Sans"/>
               </a:rPr>
-              <a:t>  szB = Pdim*Mdim; </a:t>
-            </a:r>
-            <a:endParaRPr lang="en-US" sz="1100" spc="-1">
+              <a:t>  </a:t>
+            </a:r>
+            <a:r>
+              <a:rPr lang="en-US" sz="1100" b="1" spc="-1" dirty="0" err="1">
+                <a:solidFill>
+                  <a:srgbClr val="000000"/>
+                </a:solidFill>
+                <a:latin typeface="Courier New Bold"/>
+                <a:ea typeface="DejaVu Sans"/>
+              </a:rPr>
+              <a:t>szB</a:t>
+            </a:r>
+            <a:r>
+              <a:rPr lang="en-US" sz="1100" b="1" spc="-1" dirty="0">
+                <a:solidFill>
+                  <a:srgbClr val="000000"/>
+                </a:solidFill>
+                <a:latin typeface="Courier New Bold"/>
+                <a:ea typeface="DejaVu Sans"/>
+              </a:rPr>
+              <a:t> = </a:t>
+            </a:r>
+            <a:r>
+              <a:rPr lang="en-US" sz="1100" b="1" spc="-1" dirty="0" err="1">
+                <a:solidFill>
+                  <a:srgbClr val="000000"/>
+                </a:solidFill>
+                <a:latin typeface="Courier New Bold"/>
+                <a:ea typeface="DejaVu Sans"/>
+              </a:rPr>
+              <a:t>Pdim</a:t>
+            </a:r>
+            <a:r>
+              <a:rPr lang="en-US" sz="1100" b="1" spc="-1" dirty="0">
+                <a:solidFill>
+                  <a:srgbClr val="000000"/>
+                </a:solidFill>
+                <a:latin typeface="Courier New Bold"/>
+                <a:ea typeface="DejaVu Sans"/>
+              </a:rPr>
+              <a:t>*</a:t>
+            </a:r>
+            <a:r>
+              <a:rPr lang="en-US" sz="1100" b="1" spc="-1" dirty="0" err="1">
+                <a:solidFill>
+                  <a:srgbClr val="000000"/>
+                </a:solidFill>
+                <a:latin typeface="Courier New Bold"/>
+                <a:ea typeface="DejaVu Sans"/>
+              </a:rPr>
+              <a:t>Mdim</a:t>
+            </a:r>
+            <a:r>
+              <a:rPr lang="en-US" sz="1100" b="1" spc="-1" dirty="0">
+                <a:solidFill>
+                  <a:srgbClr val="000000"/>
+                </a:solidFill>
+                <a:latin typeface="Courier New Bold"/>
+                <a:ea typeface="DejaVu Sans"/>
+              </a:rPr>
+              <a:t>; </a:t>
+            </a:r>
+            <a:endParaRPr lang="en-US" sz="1100" spc="-1" dirty="0">
               <a:latin typeface="Arial"/>
             </a:endParaRPr>
           </a:p>
@@ -21735,16 +22220,76 @@
               </a:lnSpc>
             </a:pPr>
             <a:r>
-              <a:rPr lang="en-US" sz="1100" b="1" spc="-1">
+              <a:rPr lang="en-US" sz="1100" b="1" spc="-1" dirty="0">
                 <a:solidFill>
                   <a:srgbClr val="000000"/>
                 </a:solidFill>
                 <a:latin typeface="Courier New Bold"/>
                 <a:ea typeface="DejaVu Sans"/>
               </a:rPr>
-              <a:t>  szC = Ndim*Mdim;</a:t>
-            </a:r>
-            <a:endParaRPr lang="en-US" sz="1100" spc="-1">
+              <a:t>  </a:t>
+            </a:r>
+            <a:r>
+              <a:rPr lang="en-US" sz="1100" b="1" spc="-1" dirty="0" err="1">
+                <a:solidFill>
+                  <a:srgbClr val="000000"/>
+                </a:solidFill>
+                <a:latin typeface="Courier New Bold"/>
+                <a:ea typeface="DejaVu Sans"/>
+              </a:rPr>
+              <a:t>szC</a:t>
+            </a:r>
+            <a:r>
+              <a:rPr lang="en-US" sz="1100" b="1" spc="-1" dirty="0">
+                <a:solidFill>
+                  <a:srgbClr val="000000"/>
+                </a:solidFill>
+                <a:latin typeface="Courier New Bold"/>
+                <a:ea typeface="DejaVu Sans"/>
+              </a:rPr>
+              <a:t> = </a:t>
+            </a:r>
+            <a:r>
+              <a:rPr lang="en-US" sz="1100" b="1" spc="-1" dirty="0" err="1">
+                <a:solidFill>
+                  <a:srgbClr val="000000"/>
+                </a:solidFill>
+                <a:latin typeface="Courier New Bold"/>
+                <a:ea typeface="DejaVu Sans"/>
+              </a:rPr>
+              <a:t>Ndim</a:t>
+            </a:r>
+            <a:r>
+              <a:rPr lang="en-US" sz="1100" b="1" spc="-1" dirty="0">
+                <a:solidFill>
+                  <a:srgbClr val="000000"/>
+                </a:solidFill>
+                <a:latin typeface="Courier New Bold"/>
+                <a:ea typeface="DejaVu Sans"/>
+              </a:rPr>
+              <a:t>*</a:t>
+            </a:r>
+            <a:r>
+              <a:rPr lang="en-US" sz="1100" b="1" spc="-1" dirty="0" err="1">
+                <a:solidFill>
+                  <a:srgbClr val="000000"/>
+                </a:solidFill>
+                <a:latin typeface="Courier New Bold"/>
+                <a:ea typeface="DejaVu Sans"/>
+              </a:rPr>
+              <a:t>Mdim</a:t>
+            </a:r>
+            <a:r>
+              <a:rPr lang="en-US" sz="1100" b="1" spc="-1" dirty="0">
+                <a:solidFill>
+                  <a:srgbClr val="000000"/>
+                </a:solidFill>
+                <a:latin typeface="Courier New Bold"/>
+                <a:ea typeface="DejaVu Sans"/>
+              </a:rPr>
+              <a:t>;</a:t>
+            </a:r>
+            <a:endParaRPr lang="en-US" sz="1100" spc="-1" dirty="0">
               <a:latin typeface="Arial"/>
             </a:endParaRPr>
           </a:p>
@@ -21755,16 +22300,56 @@
               </a:lnSpc>
             </a:pPr>
             <a:r>
-              <a:rPr lang="en-US" sz="1100" b="1" spc="-1">
+              <a:rPr lang="en-US" sz="1100" b="1" spc="-1" dirty="0">
                 <a:solidFill>
                   <a:srgbClr val="000000"/>
                 </a:solidFill>
                 <a:latin typeface="Courier New Bold"/>
                 <a:ea typeface="DejaVu Sans"/>
               </a:rPr>
-              <a:t>  h_A   = std::vector&lt;float&gt;(szA);</a:t>
-            </a:r>
-            <a:endParaRPr lang="en-US" sz="1100" spc="-1">
+              <a:t>  </a:t>
+            </a:r>
+            <a:r>
+              <a:rPr lang="en-US" sz="1100" b="1" spc="-1" dirty="0" err="1">
+                <a:solidFill>
+                  <a:srgbClr val="000000"/>
+                </a:solidFill>
+                <a:latin typeface="Courier New Bold"/>
+                <a:ea typeface="DejaVu Sans"/>
+              </a:rPr>
+              <a:t>h_A</a:t>
+            </a:r>
+            <a:r>
+              <a:rPr lang="en-US" sz="1100" b="1" spc="-1" dirty="0">
+                <a:solidFill>
+                  <a:srgbClr val="000000"/>
+                </a:solidFill>
+                <a:latin typeface="Courier New Bold"/>
+                <a:ea typeface="DejaVu Sans"/>
+              </a:rPr>
+              <a:t>   = std::vector&lt;float&gt;(</a:t>
+            </a:r>
+            <a:r>
+              <a:rPr lang="en-US" sz="1100" b="1" spc="-1" dirty="0" err="1">
+                <a:solidFill>
+                  <a:srgbClr val="000000"/>
+                </a:solidFill>
+                <a:latin typeface="Courier New Bold"/>
+                <a:ea typeface="DejaVu Sans"/>
+              </a:rPr>
+              <a:t>szA</a:t>
+            </a:r>
+            <a:r>
+              <a:rPr lang="en-US" sz="1100" b="1" spc="-1" dirty="0">
+                <a:solidFill>
+                  <a:srgbClr val="000000"/>
+                </a:solidFill>
+                <a:latin typeface="Courier New Bold"/>
+                <a:ea typeface="DejaVu Sans"/>
+              </a:rPr>
+              <a:t>);</a:t>
+            </a:r>
+            <a:endParaRPr lang="en-US" sz="1100" spc="-1" dirty="0">
               <a:latin typeface="Arial"/>
             </a:endParaRPr>
           </a:p>
@@ -21775,16 +22360,56 @@
               </a:lnSpc>
             </a:pPr>
             <a:r>
-              <a:rPr lang="en-US" sz="1100" b="1" spc="-1">
+              <a:rPr lang="en-US" sz="1100" b="1" spc="-1" dirty="0">
                 <a:solidFill>
                   <a:srgbClr val="000000"/>
                 </a:solidFill>
                 <a:latin typeface="Courier New Bold"/>
                 <a:ea typeface="DejaVu Sans"/>
               </a:rPr>
-              <a:t>  h_B   = std::vector&lt;float&gt;(szB);</a:t>
-            </a:r>
-            <a:endParaRPr lang="en-US" sz="1100" spc="-1">
+              <a:t>  </a:t>
+            </a:r>
+            <a:r>
+              <a:rPr lang="en-US" sz="1100" b="1" spc="-1" dirty="0" err="1">
+                <a:solidFill>
+                  <a:srgbClr val="000000"/>
+                </a:solidFill>
+                <a:latin typeface="Courier New Bold"/>
+                <a:ea typeface="DejaVu Sans"/>
+              </a:rPr>
+              <a:t>h_B</a:t>
+            </a:r>
+            <a:r>
+              <a:rPr lang="en-US" sz="1100" b="1" spc="-1" dirty="0">
+                <a:solidFill>
+                  <a:srgbClr val="000000"/>
+                </a:solidFill>
+                <a:latin typeface="Courier New Bold"/>
+                <a:ea typeface="DejaVu Sans"/>
+              </a:rPr>
+              <a:t>   = std::vector&lt;float&gt;(</a:t>
+            </a:r>
+            <a:r>
+              <a:rPr lang="en-US" sz="1100" b="1" spc="-1" dirty="0" err="1">
+                <a:solidFill>
+                  <a:srgbClr val="000000"/>
+                </a:solidFill>
+                <a:latin typeface="Courier New Bold"/>
+                <a:ea typeface="DejaVu Sans"/>
+              </a:rPr>
+              <a:t>szB</a:t>
+            </a:r>
+            <a:r>
+              <a:rPr lang="en-US" sz="1100" b="1" spc="-1" dirty="0">
+                <a:solidFill>
+                  <a:srgbClr val="000000"/>
+                </a:solidFill>
+                <a:latin typeface="Courier New Bold"/>
+                <a:ea typeface="DejaVu Sans"/>
+              </a:rPr>
+              <a:t>);</a:t>
+            </a:r>
+            <a:endParaRPr lang="en-US" sz="1100" spc="-1" dirty="0">
               <a:latin typeface="Arial"/>
             </a:endParaRPr>
           </a:p>
@@ -21795,16 +22420,56 @@
               </a:lnSpc>
             </a:pPr>
             <a:r>
-              <a:rPr lang="en-US" sz="1100" b="1" spc="-1">
+              <a:rPr lang="en-US" sz="1100" b="1" spc="-1" dirty="0">
                 <a:solidFill>
                   <a:srgbClr val="000000"/>
                 </a:solidFill>
                 <a:latin typeface="Courier New Bold"/>
                 <a:ea typeface="DejaVu Sans"/>
               </a:rPr>
-              <a:t>  h_C   = std::vector&lt;float&gt;(szC);</a:t>
-            </a:r>
-            <a:endParaRPr lang="en-US" sz="1100" spc="-1">
+              <a:t>  </a:t>
+            </a:r>
+            <a:r>
+              <a:rPr lang="en-US" sz="1100" b="1" spc="-1" dirty="0" err="1">
+                <a:solidFill>
+                  <a:srgbClr val="000000"/>
+                </a:solidFill>
+                <a:latin typeface="Courier New Bold"/>
+                <a:ea typeface="DejaVu Sans"/>
+              </a:rPr>
+              <a:t>h_C</a:t>
+            </a:r>
+            <a:r>
+              <a:rPr lang="en-US" sz="1100" b="1" spc="-1" dirty="0">
+                <a:solidFill>
+                  <a:srgbClr val="000000"/>
+                </a:solidFill>
+                <a:latin typeface="Courier New Bold"/>
+                <a:ea typeface="DejaVu Sans"/>
+              </a:rPr>
+              <a:t>   = std::vector&lt;float&gt;(</a:t>
+            </a:r>
+            <a:r>
+              <a:rPr lang="en-US" sz="1100" b="1" spc="-1" dirty="0" err="1">
+                <a:solidFill>
+                  <a:srgbClr val="000000"/>
+                </a:solidFill>
+                <a:latin typeface="Courier New Bold"/>
+                <a:ea typeface="DejaVu Sans"/>
+              </a:rPr>
+              <a:t>szC</a:t>
+            </a:r>
+            <a:r>
+              <a:rPr lang="en-US" sz="1100" b="1" spc="-1" dirty="0">
+                <a:solidFill>
+                  <a:srgbClr val="000000"/>
+                </a:solidFill>
+                <a:latin typeface="Courier New Bold"/>
+                <a:ea typeface="DejaVu Sans"/>
+              </a:rPr>
+              <a:t>);</a:t>
+            </a:r>
+            <a:endParaRPr lang="en-US" sz="1100" spc="-1" dirty="0">
               <a:latin typeface="Arial"/>
             </a:endParaRPr>
           </a:p>
@@ -21814,7 +22479,7 @@
                 <a:spcPct val="100000"/>
               </a:lnSpc>
             </a:pPr>
-            <a:endParaRPr lang="en-US" sz="1100" spc="-1">
+            <a:endParaRPr lang="en-US" sz="1100" spc="-1" dirty="0">
               <a:latin typeface="Arial"/>
             </a:endParaRPr>
           </a:p>
@@ -21825,16 +22490,156 @@
               </a:lnSpc>
             </a:pPr>
             <a:r>
-              <a:rPr lang="en-US" sz="1100" b="1" spc="-1">
+              <a:rPr lang="en-US" sz="1100" b="1" spc="-1" dirty="0">
                 <a:solidFill>
                   <a:srgbClr val="000000"/>
                 </a:solidFill>
                 <a:latin typeface="Courier New Bold"/>
                 <a:ea typeface="DejaVu Sans"/>
               </a:rPr>
-              <a:t>  initmat(Mdim, Ndim, Pdim, h_A, h_B, h_C);</a:t>
-            </a:r>
-            <a:endParaRPr lang="en-US" sz="1100" spc="-1">
+              <a:t>  </a:t>
+            </a:r>
+            <a:r>
+              <a:rPr lang="en-US" sz="1100" b="1" spc="-1" dirty="0" err="1">
+                <a:solidFill>
+                  <a:srgbClr val="000000"/>
+                </a:solidFill>
+                <a:latin typeface="Courier New Bold"/>
+                <a:ea typeface="DejaVu Sans"/>
+              </a:rPr>
+              <a:t>initmat</a:t>
+            </a:r>
+            <a:r>
+              <a:rPr lang="en-US" sz="1100" b="1" spc="-1" dirty="0">
+                <a:solidFill>
+                  <a:srgbClr val="000000"/>
+                </a:solidFill>
+                <a:latin typeface="Courier New Bold"/>
+                <a:ea typeface="DejaVu Sans"/>
+              </a:rPr>
+              <a:t>(</a:t>
+            </a:r>
+            <a:r>
+              <a:rPr lang="en-US" sz="1100" b="1" spc="-1" dirty="0" err="1">
+                <a:solidFill>
+                  <a:srgbClr val="000000"/>
+                </a:solidFill>
+                <a:latin typeface="Courier New Bold"/>
+                <a:ea typeface="DejaVu Sans"/>
+              </a:rPr>
+              <a:t>Mdim</a:t>
+            </a:r>
+            <a:r>
+              <a:rPr lang="en-US" sz="1100" b="1" spc="-1" dirty="0">
+                <a:solidFill>
+                  <a:srgbClr val="000000"/>
+                </a:solidFill>
+                <a:latin typeface="Courier New Bold"/>
+                <a:ea typeface="DejaVu Sans"/>
+              </a:rPr>
+              <a:t>, </a:t>
+            </a:r>
+            <a:r>
+              <a:rPr lang="en-US" sz="1100" b="1" spc="-1" dirty="0" err="1">
+                <a:solidFill>
+                  <a:srgbClr val="000000"/>
+                </a:solidFill>
+                <a:latin typeface="Courier New Bold"/>
+                <a:ea typeface="DejaVu Sans"/>
+              </a:rPr>
+              <a:t>Ndim</a:t>
+            </a:r>
+            <a:r>
+              <a:rPr lang="en-US" sz="1100" b="1" spc="-1" dirty="0">
+                <a:solidFill>
+                  <a:srgbClr val="000000"/>
+                </a:solidFill>
+                <a:latin typeface="Courier New Bold"/>
+                <a:ea typeface="DejaVu Sans"/>
+              </a:rPr>
+              <a:t>, </a:t>
+            </a:r>
+            <a:r>
+              <a:rPr lang="en-US" sz="1100" b="1" spc="-1" dirty="0" err="1">
+                <a:solidFill>
+                  <a:srgbClr val="000000"/>
+                </a:solidFill>
+                <a:latin typeface="Courier New Bold"/>
+                <a:ea typeface="DejaVu Sans"/>
+              </a:rPr>
+              <a:t>Pdim</a:t>
+            </a:r>
+            <a:r>
+              <a:rPr lang="en-US" sz="1100" b="1" spc="-1" dirty="0">
+                <a:solidFill>
+                  <a:srgbClr val="000000"/>
+                </a:solidFill>
+                <a:latin typeface="Courier New Bold"/>
+                <a:ea typeface="DejaVu Sans"/>
+              </a:rPr>
+              <a:t>, </a:t>
+            </a:r>
+            <a:r>
+              <a:rPr lang="en-US" sz="1100" b="1" spc="-1" dirty="0" err="1">
+                <a:solidFill>
+                  <a:srgbClr val="000000"/>
+                </a:solidFill>
+                <a:latin typeface="Courier New Bold"/>
+                <a:ea typeface="DejaVu Sans"/>
+              </a:rPr>
+              <a:t>h_A</a:t>
+            </a:r>
+            <a:r>
+              <a:rPr lang="en-US" sz="1100" b="1" spc="-1" dirty="0">
+                <a:solidFill>
+                  <a:srgbClr val="000000"/>
+                </a:solidFill>
+                <a:latin typeface="Courier New Bold"/>
+                <a:ea typeface="DejaVu Sans"/>
+              </a:rPr>
+              <a:t>, </a:t>
+            </a:r>
+            <a:r>
+              <a:rPr lang="en-US" sz="1100" b="1" spc="-1" dirty="0" err="1">
+                <a:solidFill>
+                  <a:srgbClr val="000000"/>
+                </a:solidFill>
+                <a:latin typeface="Courier New Bold"/>
+                <a:ea typeface="DejaVu Sans"/>
+              </a:rPr>
+              <a:t>h_B</a:t>
+            </a:r>
+            <a:r>
+              <a:rPr lang="en-US" sz="1100" b="1" spc="-1" dirty="0">
+                <a:solidFill>
+                  <a:srgbClr val="000000"/>
+                </a:solidFill>
+                <a:latin typeface="Courier New Bold"/>
+                <a:ea typeface="DejaVu Sans"/>
+              </a:rPr>
+              <a:t>, </a:t>
+            </a:r>
+            <a:r>
+              <a:rPr lang="en-US" sz="1100" b="1" spc="-1" dirty="0" err="1">
+                <a:solidFill>
+                  <a:srgbClr val="000000"/>
+                </a:solidFill>
+                <a:latin typeface="Courier New Bold"/>
+                <a:ea typeface="DejaVu Sans"/>
+              </a:rPr>
+              <a:t>h_C</a:t>
+            </a:r>
+            <a:r>
+              <a:rPr lang="en-US" sz="1100" b="1" spc="-1" dirty="0">
+                <a:solidFill>
+                  <a:srgbClr val="000000"/>
+                </a:solidFill>
+                <a:latin typeface="Courier New Bold"/>
+                <a:ea typeface="DejaVu Sans"/>
+              </a:rPr>
+              <a:t>);</a:t>
+            </a:r>
+            <a:endParaRPr lang="en-US" sz="1100" spc="-1" dirty="0">
               <a:latin typeface="Arial"/>
             </a:endParaRPr>
           </a:p>
@@ -21844,7 +22649,7 @@
                 <a:spcPct val="100000"/>
               </a:lnSpc>
             </a:pPr>
-            <a:endParaRPr lang="en-US" sz="1100" spc="-1">
+            <a:endParaRPr lang="en-US" sz="1100" spc="-1" dirty="0">
               <a:latin typeface="Arial"/>
             </a:endParaRPr>
           </a:p>
@@ -21855,7 +22660,7 @@
               </a:lnSpc>
             </a:pPr>
             <a:r>
-              <a:rPr lang="en-US" sz="1100" b="1" spc="-1">
+              <a:rPr lang="en-US" sz="1100" b="1" spc="-1" dirty="0">
                 <a:solidFill>
                   <a:srgbClr val="000000"/>
                 </a:solidFill>
@@ -21864,7 +22669,7 @@
               </a:rPr>
               <a:t>  // Compile for first kernel to setup program</a:t>
             </a:r>
-            <a:endParaRPr lang="en-US" sz="1100" spc="-1">
+            <a:endParaRPr lang="en-US" sz="1100" spc="-1" dirty="0">
               <a:latin typeface="Arial"/>
             </a:endParaRPr>
           </a:p>
@@ -21875,16 +22680,36 @@
               </a:lnSpc>
             </a:pPr>
             <a:r>
-              <a:rPr lang="en-US" sz="1100" b="1" spc="-1">
+              <a:rPr lang="en-US" sz="1100" b="1" spc="-1" dirty="0">
                 <a:solidFill>
                   <a:srgbClr val="000000"/>
                 </a:solidFill>
                 <a:latin typeface="Courier New Bold"/>
                 <a:ea typeface="DejaVu Sans"/>
               </a:rPr>
-              <a:t>  program = cl::Program(C_elem_KernelSource, true);</a:t>
-            </a:r>
-            <a:endParaRPr lang="en-US" sz="1100" spc="-1">
+              <a:t>  program = cl::Program(</a:t>
+            </a:r>
+            <a:r>
+              <a:rPr lang="en-US" sz="1100" b="1" spc="-1" dirty="0" err="1">
+                <a:solidFill>
+                  <a:srgbClr val="000000"/>
+                </a:solidFill>
+                <a:latin typeface="Courier New Bold"/>
+                <a:ea typeface="DejaVu Sans"/>
+              </a:rPr>
+              <a:t>C_elem_KernelSource</a:t>
+            </a:r>
+            <a:r>
+              <a:rPr lang="en-US" sz="1100" b="1" spc="-1" dirty="0">
+                <a:solidFill>
+                  <a:srgbClr val="000000"/>
+                </a:solidFill>
+                <a:latin typeface="Courier New Bold"/>
+                <a:ea typeface="DejaVu Sans"/>
+              </a:rPr>
+              <a:t>, true);</a:t>
+            </a:r>
+            <a:endParaRPr lang="en-US" sz="1100" spc="-1" dirty="0">
               <a:latin typeface="Arial"/>
             </a:endParaRPr>
           </a:p>
@@ -21895,7 +22720,7 @@
               </a:lnSpc>
             </a:pPr>
             <a:r>
-              <a:rPr lang="en-US" sz="1100" b="1" spc="-1">
+              <a:rPr lang="en-US" sz="1100" b="1" spc="-1" dirty="0">
                 <a:solidFill>
                   <a:srgbClr val="000000"/>
                 </a:solidFill>
@@ -21904,7 +22729,7 @@
               </a:rPr>
               <a:t>  Context context(CL_DEVICE_TYPE_DEFAULT);  </a:t>
             </a:r>
-            <a:endParaRPr lang="en-US" sz="1100" spc="-1">
+            <a:endParaRPr lang="en-US" sz="1100" spc="-1" dirty="0">
               <a:latin typeface="Arial"/>
             </a:endParaRPr>
           </a:p>
@@ -21915,16 +22740,36 @@
               </a:lnSpc>
             </a:pPr>
             <a:r>
-              <a:rPr lang="en-US" sz="1100" b="1" spc="-1">
+              <a:rPr lang="en-US" sz="1100" b="1" spc="-1" dirty="0">
                 <a:solidFill>
                   <a:srgbClr val="000000"/>
                 </a:solidFill>
                 <a:latin typeface="Courier New Bold"/>
                 <a:ea typeface="DejaVu Sans"/>
               </a:rPr>
-              <a:t>  cl::CommandQueue queue(context);</a:t>
-            </a:r>
-            <a:endParaRPr lang="en-US" sz="1100" spc="-1">
+              <a:t>  cl::</a:t>
+            </a:r>
+            <a:r>
+              <a:rPr lang="en-US" sz="1100" b="1" spc="-1" dirty="0" err="1">
+                <a:solidFill>
+                  <a:srgbClr val="000000"/>
+                </a:solidFill>
+                <a:latin typeface="Courier New Bold"/>
+                <a:ea typeface="DejaVu Sans"/>
+              </a:rPr>
+              <a:t>CommandQueue</a:t>
+            </a:r>
+            <a:r>
+              <a:rPr lang="en-US" sz="1100" b="1" spc="-1" dirty="0">
+                <a:solidFill>
+                  <a:srgbClr val="000000"/>
+                </a:solidFill>
+                <a:latin typeface="Courier New Bold"/>
+                <a:ea typeface="DejaVu Sans"/>
+              </a:rPr>
+              <a:t> queue(context);</a:t>
+            </a:r>
+            <a:endParaRPr lang="en-US" sz="1100" spc="-1" dirty="0">
               <a:latin typeface="Arial"/>
             </a:endParaRPr>
           </a:p>
@@ -21935,7 +22780,7 @@
               </a:lnSpc>
             </a:pPr>
             <a:r>
-              <a:rPr lang="en-US" sz="1100" b="1" spc="-1">
+              <a:rPr lang="en-US" sz="1100" b="1" spc="-1" dirty="0">
                 <a:solidFill>
                   <a:srgbClr val="000000"/>
                 </a:solidFill>
@@ -21944,7 +22789,7 @@
               </a:rPr>
               <a:t>  std::vector&lt;Device&gt; devices =</a:t>
             </a:r>
-            <a:endParaRPr lang="en-US" sz="1100" spc="-1">
+            <a:endParaRPr lang="en-US" sz="1100" spc="-1" dirty="0">
               <a:latin typeface="Arial"/>
             </a:endParaRPr>
           </a:p>
@@ -21955,16 +22800,36 @@
               </a:lnSpc>
             </a:pPr>
             <a:r>
-              <a:rPr lang="en-US" sz="1100" b="1" spc="-1">
+              <a:rPr lang="en-US" sz="1100" b="1" spc="-1" dirty="0">
                 <a:solidFill>
                   <a:srgbClr val="000000"/>
                 </a:solidFill>
                 <a:latin typeface="Courier New Bold"/>
                 <a:ea typeface="DejaVu Sans"/>
               </a:rPr>
-              <a:t>      context.getInfo&lt;CL_CONTEXT_DEVICES&gt;();</a:t>
-            </a:r>
-            <a:endParaRPr lang="en-US" sz="1100" spc="-1">
+              <a:t>      </a:t>
+            </a:r>
+            <a:r>
+              <a:rPr lang="en-US" sz="1100" b="1" spc="-1" dirty="0" err="1">
+                <a:solidFill>
+                  <a:srgbClr val="000000"/>
+                </a:solidFill>
+                <a:latin typeface="Courier New Bold"/>
+                <a:ea typeface="DejaVu Sans"/>
+              </a:rPr>
+              <a:t>context.getInfo</a:t>
+            </a:r>
+            <a:r>
+              <a:rPr lang="en-US" sz="1100" b="1" spc="-1" dirty="0">
+                <a:solidFill>
+                  <a:srgbClr val="000000"/>
+                </a:solidFill>
+                <a:latin typeface="Courier New Bold"/>
+                <a:ea typeface="DejaVu Sans"/>
+              </a:rPr>
+              <a:t>&lt;CL_CONTEXT_DEVICES&gt;();</a:t>
+            </a:r>
+            <a:endParaRPr lang="en-US" sz="1100" spc="-1" dirty="0">
               <a:latin typeface="Arial"/>
             </a:endParaRPr>
           </a:p>
@@ -21975,16 +22840,36 @@
               </a:lnSpc>
             </a:pPr>
             <a:r>
-              <a:rPr lang="en-US" sz="1100" b="1" spc="-1">
+              <a:rPr lang="en-US" sz="1100" b="1" spc="-1" dirty="0">
                 <a:solidFill>
                   <a:srgbClr val="000000"/>
                 </a:solidFill>
                 <a:latin typeface="Courier New Bold"/>
                 <a:ea typeface="DejaVu Sans"/>
               </a:rPr>
-              <a:t>  cl::Device device = devices[0]; </a:t>
-            </a:r>
-            <a:endParaRPr lang="en-US" sz="1100" spc="-1">
+              <a:t>  cl::Device </a:t>
+            </a:r>
+            <a:r>
+              <a:rPr lang="en-US" sz="1100" b="1" spc="-1" dirty="0" err="1">
+                <a:solidFill>
+                  <a:srgbClr val="000000"/>
+                </a:solidFill>
+                <a:latin typeface="Courier New Bold"/>
+                <a:ea typeface="DejaVu Sans"/>
+              </a:rPr>
+              <a:t>device</a:t>
+            </a:r>
+            <a:r>
+              <a:rPr lang="en-US" sz="1100" b="1" spc="-1" dirty="0">
+                <a:solidFill>
+                  <a:srgbClr val="000000"/>
+                </a:solidFill>
+                <a:latin typeface="Courier New Bold"/>
+                <a:ea typeface="DejaVu Sans"/>
+              </a:rPr>
+              <a:t> = devices[0]; </a:t>
+            </a:r>
+            <a:endParaRPr lang="en-US" sz="1100" spc="-1" dirty="0">
               <a:latin typeface="Arial"/>
             </a:endParaRPr>
           </a:p>
@@ -21995,7 +22880,7 @@
               </a:lnSpc>
             </a:pPr>
             <a:r>
-              <a:rPr lang="en-US" sz="1100" b="1" spc="-1">
+              <a:rPr lang="en-US" sz="1100" b="1" spc="-1" dirty="0">
                 <a:solidFill>
                   <a:srgbClr val="000000"/>
                 </a:solidFill>
@@ -22004,7 +22889,7 @@
               </a:rPr>
               <a:t>  std::string s =  </a:t>
             </a:r>
-            <a:endParaRPr lang="en-US" sz="1100" spc="-1">
+            <a:endParaRPr lang="en-US" sz="1100" spc="-1" dirty="0">
               <a:latin typeface="Arial"/>
             </a:endParaRPr>
           </a:p>
@@ -22015,16 +22900,36 @@
               </a:lnSpc>
             </a:pPr>
             <a:r>
-              <a:rPr lang="en-US" sz="1100" b="1" spc="-1">
+              <a:rPr lang="en-US" sz="1100" b="1" spc="-1" dirty="0">
                 <a:solidFill>
                   <a:srgbClr val="000000"/>
                 </a:solidFill>
                 <a:latin typeface="Courier New Bold"/>
                 <a:ea typeface="DejaVu Sans"/>
               </a:rPr>
-              <a:t>      device.getInfo&lt;CL_DEVICE_NAME&gt;();</a:t>
-            </a:r>
-            <a:endParaRPr lang="en-US" sz="1100" spc="-1">
+              <a:t>      </a:t>
+            </a:r>
+            <a:r>
+              <a:rPr lang="en-US" sz="1100" b="1" spc="-1" dirty="0" err="1">
+                <a:solidFill>
+                  <a:srgbClr val="000000"/>
+                </a:solidFill>
+                <a:latin typeface="Courier New Bold"/>
+                <a:ea typeface="DejaVu Sans"/>
+              </a:rPr>
+              <a:t>device.getInfo</a:t>
+            </a:r>
+            <a:r>
+              <a:rPr lang="en-US" sz="1100" b="1" spc="-1" dirty="0">
+                <a:solidFill>
+                  <a:srgbClr val="000000"/>
+                </a:solidFill>
+                <a:latin typeface="Courier New Bold"/>
+                <a:ea typeface="DejaVu Sans"/>
+              </a:rPr>
+              <a:t>&lt;CL_DEVICE_NAME&gt;();</a:t>
+            </a:r>
+            <a:endParaRPr lang="en-US" sz="1100" spc="-1" dirty="0">
               <a:latin typeface="Arial"/>
             </a:endParaRPr>
           </a:p>
@@ -22035,6 +22940,56 @@
               </a:lnSpc>
             </a:pPr>
             <a:r>
+              <a:rPr lang="en-US" sz="1100" b="1" spc="-1" dirty="0">
+                <a:solidFill>
+                  <a:srgbClr val="000000"/>
+                </a:solidFill>
+                <a:latin typeface="Courier New Bold"/>
+                <a:ea typeface="DejaVu Sans"/>
+              </a:rPr>
+              <a:t>  std::</a:t>
+            </a:r>
+            <a:r>
+              <a:rPr lang="en-US" sz="1100" b="1" spc="-1" dirty="0" err="1">
+                <a:solidFill>
+                  <a:srgbClr val="000000"/>
+                </a:solidFill>
+                <a:latin typeface="Courier New Bold"/>
+                <a:ea typeface="DejaVu Sans"/>
+              </a:rPr>
+              <a:t>cout</a:t>
+            </a:r>
+            <a:r>
+              <a:rPr lang="en-US" sz="1100" b="1" spc="-1" dirty="0">
+                <a:solidFill>
+                  <a:srgbClr val="000000"/>
+                </a:solidFill>
+                <a:latin typeface="Courier New Bold"/>
+                <a:ea typeface="DejaVu Sans"/>
+              </a:rPr>
+              <a:t> &lt;&lt; "\</a:t>
+            </a:r>
+            <a:r>
+              <a:rPr lang="en-US" sz="1100" b="1" spc="-1" dirty="0" err="1">
+                <a:solidFill>
+                  <a:srgbClr val="000000"/>
+                </a:solidFill>
+                <a:latin typeface="Courier New Bold"/>
+                <a:ea typeface="DejaVu Sans"/>
+              </a:rPr>
+              <a:t>nUsing</a:t>
+            </a:r>
+            <a:r>
+              <a:rPr lang="en-US" sz="1100" b="1" spc="-1" dirty="0">
+                <a:solidFill>
+                  <a:srgbClr val="000000"/>
+                </a:solidFill>
+                <a:latin typeface="Courier New Bold"/>
+                <a:ea typeface="DejaVu Sans"/>
+              </a:rPr>
+              <a:t> </a:t>
+            </a:r>
+            <a:r>
               <a:rPr lang="en-US" sz="1100" b="1" spc="-1">
                 <a:solidFill>
                   <a:srgbClr val="000000"/>
@@ -22042,7 +22997,17 @@
                 <a:latin typeface="Courier New Bold"/>
                 <a:ea typeface="DejaVu Sans"/>
               </a:rPr>
-              <a:t>  std::cout &lt;&lt; "\nUsing OpenCL Device ”</a:t>
+              <a:t>OpenCL Device</a:t>
+            </a:r>
+            <a:r>
+              <a:rPr lang="en-US" altLang="zh-CN" sz="1100" b="1" spc="-1">
+                <a:solidFill>
+                  <a:srgbClr val="000000"/>
+                </a:solidFill>
+                <a:latin typeface="Courier New Bold"/>
+                <a:ea typeface="DejaVu Sans"/>
+              </a:rPr>
+              <a:t>"</a:t>
             </a:r>
             <a:endParaRPr lang="en-US" sz="1100" spc="-1">
               <a:latin typeface="Arial"/>
@@ -22055,7 +23020,7 @@
               </a:lnSpc>
             </a:pPr>
             <a:r>
-              <a:rPr lang="en-US" sz="1100" b="1" spc="-1">
+              <a:rPr lang="en-US" sz="1100" b="1" spc="-1" dirty="0">
                 <a:solidFill>
                   <a:srgbClr val="000000"/>
                 </a:solidFill>
@@ -22064,7 +23029,7 @@
               </a:rPr>
               <a:t>            &lt;&lt; s &lt;&lt; "\n";</a:t>
             </a:r>
-            <a:endParaRPr lang="en-US" sz="1100" spc="-1">
+            <a:endParaRPr lang="en-US" sz="1100" spc="-1" dirty="0">
               <a:latin typeface="Arial"/>
             </a:endParaRPr>
           </a:p>
